--- a/src/main/resources/template.pptx
+++ b/src/main/resources/template.pptx
@@ -502,6 +502,9 @@
           </a:bodyPr>
           <a:lstStyle>
             <a:lvl1pPr marL="0" indent="0">
+              <a:lnSpc>
+                <a:spcPct val="100000"/>
+              </a:lnSpc>
               <a:buNone/>
               <a:defRPr>
                 <a:solidFill>
@@ -729,7 +732,7 @@
       </p:sp>
       <p:sp>
         <p:nvSpPr>
-          <p:cNvPr id="21" name="텍스트 개체 틀 20"/>
+          <p:cNvPr id="5" name="텍스트 개체 틀 20"/>
           <p:cNvSpPr>
             <a:spLocks noGrp="1"/>
           </p:cNvSpPr>
@@ -749,6 +752,9 @@
           </a:bodyPr>
           <a:lstStyle>
             <a:lvl1pPr marL="0" indent="0">
+              <a:lnSpc>
+                <a:spcPct val="100000"/>
+              </a:lnSpc>
               <a:buNone/>
               <a:defRPr>
                 <a:solidFill>
@@ -763,7 +769,11 @@
             <a:pPr lvl="0"/>
             <a:r>
               <a:rPr lang="ko-KR" altLang="en-US" dirty="0" smtClean="0"/>
-              <a:t>기도문을 입력하세요</a:t>
+              <a:t>기도문을 </a:t>
+            </a:r>
+            <a:r>
+              <a:rPr lang="ko-KR" altLang="en-US" dirty="0" smtClean="0"/>
+              <a:t>입력하세요</a:t>
             </a:r>
             <a:r>
               <a:rPr lang="en-US" altLang="ko-KR" dirty="0" smtClean="0"/>
@@ -960,56 +970,6 @@
       </p:sp>
       <p:sp>
         <p:nvSpPr>
-          <p:cNvPr id="21" name="텍스트 개체 틀 20"/>
-          <p:cNvSpPr>
-            <a:spLocks noGrp="1"/>
-          </p:cNvSpPr>
-          <p:nvPr>
-            <p:ph type="body" sz="quarter" idx="11" hasCustomPrompt="1"/>
-          </p:nvPr>
-        </p:nvSpPr>
-        <p:spPr>
-          <a:xfrm>
-            <a:off x="572277" y="5034013"/>
-            <a:ext cx="11049000" cy="1417637"/>
-          </a:xfrm>
-        </p:spPr>
-        <p:txBody>
-          <a:bodyPr anchor="ctr" anchorCtr="0">
-            <a:noAutofit/>
-          </a:bodyPr>
-          <a:lstStyle>
-            <a:lvl1pPr marL="0" indent="0">
-              <a:buNone/>
-              <a:defRPr>
-                <a:solidFill>
-                  <a:srgbClr val="1F4E79"/>
-                </a:solidFill>
-                <a:latin typeface="나눔스퀘어" panose="020B0600000101010101" pitchFamily="50" charset="-127"/>
-                <a:ea typeface="나눔스퀘어" panose="020B0600000101010101" pitchFamily="50" charset="-127"/>
-              </a:defRPr>
-            </a:lvl1pPr>
-          </a:lstStyle>
-          <a:p>
-            <a:pPr lvl="0"/>
-            <a:r>
-              <a:rPr lang="ko-KR" altLang="en-US" dirty="0" err="1" smtClean="0"/>
-              <a:t>교독문을</a:t>
-            </a:r>
-            <a:r>
-              <a:rPr lang="ko-KR" altLang="en-US" dirty="0" smtClean="0"/>
-              <a:t> 입력하세요</a:t>
-            </a:r>
-            <a:r>
-              <a:rPr lang="en-US" altLang="ko-KR" dirty="0" smtClean="0"/>
-              <a:t>.</a:t>
-            </a:r>
-            <a:endParaRPr lang="ko-KR" altLang="en-US" dirty="0"/>
-          </a:p>
-        </p:txBody>
-      </p:sp>
-      <p:sp>
-        <p:nvSpPr>
           <p:cNvPr id="3" name="텍스트 개체 틀 2"/>
           <p:cNvSpPr>
             <a:spLocks noGrp="1"/>
@@ -1049,6 +1009,59 @@
             <a:r>
               <a:rPr lang="ko-KR" altLang="en-US" dirty="0" smtClean="0"/>
               <a:t> 제목을 입력하세요</a:t>
+            </a:r>
+            <a:r>
+              <a:rPr lang="en-US" altLang="ko-KR" dirty="0" smtClean="0"/>
+              <a:t>.</a:t>
+            </a:r>
+            <a:endParaRPr lang="ko-KR" altLang="en-US" dirty="0"/>
+          </a:p>
+        </p:txBody>
+      </p:sp>
+      <p:sp>
+        <p:nvSpPr>
+          <p:cNvPr id="21" name="텍스트 개체 틀 20"/>
+          <p:cNvSpPr>
+            <a:spLocks noGrp="1"/>
+          </p:cNvSpPr>
+          <p:nvPr>
+            <p:ph type="body" sz="quarter" idx="11" hasCustomPrompt="1"/>
+          </p:nvPr>
+        </p:nvSpPr>
+        <p:spPr>
+          <a:xfrm>
+            <a:off x="572277" y="5034013"/>
+            <a:ext cx="11049000" cy="1417637"/>
+          </a:xfrm>
+        </p:spPr>
+        <p:txBody>
+          <a:bodyPr anchor="ctr" anchorCtr="0">
+            <a:noAutofit/>
+          </a:bodyPr>
+          <a:lstStyle>
+            <a:lvl1pPr marL="0" indent="0">
+              <a:lnSpc>
+                <a:spcPct val="100000"/>
+              </a:lnSpc>
+              <a:buNone/>
+              <a:defRPr>
+                <a:solidFill>
+                  <a:srgbClr val="1F4E79"/>
+                </a:solidFill>
+                <a:latin typeface="나눔스퀘어" panose="020B0600000101010101" pitchFamily="50" charset="-127"/>
+                <a:ea typeface="나눔스퀘어" panose="020B0600000101010101" pitchFamily="50" charset="-127"/>
+              </a:defRPr>
+            </a:lvl1pPr>
+          </a:lstStyle>
+          <a:p>
+            <a:pPr lvl="0"/>
+            <a:r>
+              <a:rPr lang="ko-KR" altLang="en-US" dirty="0" err="1" smtClean="0"/>
+              <a:t>교독문을</a:t>
+            </a:r>
+            <a:r>
+              <a:rPr lang="ko-KR" altLang="en-US" dirty="0" smtClean="0"/>
+              <a:t> 입력하세요</a:t>
             </a:r>
             <a:r>
               <a:rPr lang="en-US" altLang="ko-KR" dirty="0" smtClean="0"/>
@@ -1322,6 +1335,9 @@
           </a:bodyPr>
           <a:lstStyle>
             <a:lvl1pPr marL="0" indent="0">
+              <a:lnSpc>
+                <a:spcPct val="100000"/>
+              </a:lnSpc>
               <a:buNone/>
               <a:defRPr>
                 <a:solidFill>
@@ -1514,7 +1530,7 @@
           <a:p>
             <a:fld id="{62963CE4-9668-46C9-822B-6AD79EFF84E1}" type="datetimeFigureOut">
               <a:rPr lang="ko-KR" altLang="en-US" smtClean="0"/>
-              <a:t>2023-06-03</a:t>
+              <a:t>2023-07-29</a:t>
             </a:fld>
             <a:endParaRPr lang="ko-KR" altLang="en-US"/>
           </a:p>
